--- a/images/png.pptx
+++ b/images/png.pptx
@@ -105,6 +105,11 @@
       </a:defRPr>
     </a:lvl9pPr>
   </p:defaultTextStyle>
+  <p:extLst>
+    <p:ext uri="{EFAFB233-063F-42B5-8137-9DF3F51BA10A}">
+      <p15:sldGuideLst xmlns:p15="http://schemas.microsoft.com/office/powerpoint/2012/main"/>
+    </p:ext>
+  </p:extLst>
 </p:presentation>
 </file>
 
@@ -3348,6 +3353,7 @@
                 </a:srgbClr>
               </a:clrTo>
             </a:clrChange>
+            <a:alphaModFix amt="30000"/>
           </a:blip>
           <a:stretch>
             <a:fillRect/>
@@ -3419,6 +3425,7 @@
                 </a:srgbClr>
               </a:clrTo>
             </a:clrChange>
+            <a:alphaModFix amt="30000"/>
           </a:blip>
           <a:stretch>
             <a:fillRect/>

--- a/images/png.pptx
+++ b/images/png.pptx
@@ -260,7 +260,7 @@
           <a:p>
             <a:fld id="{B7E0E24B-4C61-4CF1-B0DF-908E47FAF1BF}" type="datetimeFigureOut">
               <a:rPr lang="zh-CN" altLang="en-US" smtClean="0"/>
-              <a:t>2025/10/9</a:t>
+              <a:t>2026/1/16</a:t>
             </a:fld>
             <a:endParaRPr lang="zh-CN" altLang="en-US"/>
           </a:p>
@@ -458,7 +458,7 @@
           <a:p>
             <a:fld id="{B7E0E24B-4C61-4CF1-B0DF-908E47FAF1BF}" type="datetimeFigureOut">
               <a:rPr lang="zh-CN" altLang="en-US" smtClean="0"/>
-              <a:t>2025/10/9</a:t>
+              <a:t>2026/1/16</a:t>
             </a:fld>
             <a:endParaRPr lang="zh-CN" altLang="en-US"/>
           </a:p>
@@ -666,7 +666,7 @@
           <a:p>
             <a:fld id="{B7E0E24B-4C61-4CF1-B0DF-908E47FAF1BF}" type="datetimeFigureOut">
               <a:rPr lang="zh-CN" altLang="en-US" smtClean="0"/>
-              <a:t>2025/10/9</a:t>
+              <a:t>2026/1/16</a:t>
             </a:fld>
             <a:endParaRPr lang="zh-CN" altLang="en-US"/>
           </a:p>
@@ -864,7 +864,7 @@
           <a:p>
             <a:fld id="{B7E0E24B-4C61-4CF1-B0DF-908E47FAF1BF}" type="datetimeFigureOut">
               <a:rPr lang="zh-CN" altLang="en-US" smtClean="0"/>
-              <a:t>2025/10/9</a:t>
+              <a:t>2026/1/16</a:t>
             </a:fld>
             <a:endParaRPr lang="zh-CN" altLang="en-US"/>
           </a:p>
@@ -1139,7 +1139,7 @@
           <a:p>
             <a:fld id="{B7E0E24B-4C61-4CF1-B0DF-908E47FAF1BF}" type="datetimeFigureOut">
               <a:rPr lang="zh-CN" altLang="en-US" smtClean="0"/>
-              <a:t>2025/10/9</a:t>
+              <a:t>2026/1/16</a:t>
             </a:fld>
             <a:endParaRPr lang="zh-CN" altLang="en-US"/>
           </a:p>
@@ -1404,7 +1404,7 @@
           <a:p>
             <a:fld id="{B7E0E24B-4C61-4CF1-B0DF-908E47FAF1BF}" type="datetimeFigureOut">
               <a:rPr lang="zh-CN" altLang="en-US" smtClean="0"/>
-              <a:t>2025/10/9</a:t>
+              <a:t>2026/1/16</a:t>
             </a:fld>
             <a:endParaRPr lang="zh-CN" altLang="en-US"/>
           </a:p>
@@ -1816,7 +1816,7 @@
           <a:p>
             <a:fld id="{B7E0E24B-4C61-4CF1-B0DF-908E47FAF1BF}" type="datetimeFigureOut">
               <a:rPr lang="zh-CN" altLang="en-US" smtClean="0"/>
-              <a:t>2025/10/9</a:t>
+              <a:t>2026/1/16</a:t>
             </a:fld>
             <a:endParaRPr lang="zh-CN" altLang="en-US"/>
           </a:p>
@@ -1957,7 +1957,7 @@
           <a:p>
             <a:fld id="{B7E0E24B-4C61-4CF1-B0DF-908E47FAF1BF}" type="datetimeFigureOut">
               <a:rPr lang="zh-CN" altLang="en-US" smtClean="0"/>
-              <a:t>2025/10/9</a:t>
+              <a:t>2026/1/16</a:t>
             </a:fld>
             <a:endParaRPr lang="zh-CN" altLang="en-US"/>
           </a:p>
@@ -2070,7 +2070,7 @@
           <a:p>
             <a:fld id="{B7E0E24B-4C61-4CF1-B0DF-908E47FAF1BF}" type="datetimeFigureOut">
               <a:rPr lang="zh-CN" altLang="en-US" smtClean="0"/>
-              <a:t>2025/10/9</a:t>
+              <a:t>2026/1/16</a:t>
             </a:fld>
             <a:endParaRPr lang="zh-CN" altLang="en-US"/>
           </a:p>
@@ -2381,7 +2381,7 @@
           <a:p>
             <a:fld id="{B7E0E24B-4C61-4CF1-B0DF-908E47FAF1BF}" type="datetimeFigureOut">
               <a:rPr lang="zh-CN" altLang="en-US" smtClean="0"/>
-              <a:t>2025/10/9</a:t>
+              <a:t>2026/1/16</a:t>
             </a:fld>
             <a:endParaRPr lang="zh-CN" altLang="en-US"/>
           </a:p>
@@ -2669,7 +2669,7 @@
           <a:p>
             <a:fld id="{B7E0E24B-4C61-4CF1-B0DF-908E47FAF1BF}" type="datetimeFigureOut">
               <a:rPr lang="zh-CN" altLang="en-US" smtClean="0"/>
-              <a:t>2025/10/9</a:t>
+              <a:t>2026/1/16</a:t>
             </a:fld>
             <a:endParaRPr lang="zh-CN" altLang="en-US"/>
           </a:p>
@@ -2910,7 +2910,7 @@
           <a:p>
             <a:fld id="{B7E0E24B-4C61-4CF1-B0DF-908E47FAF1BF}" type="datetimeFigureOut">
               <a:rPr lang="zh-CN" altLang="en-US" smtClean="0"/>
-              <a:t>2025/10/9</a:t>
+              <a:t>2026/1/16</a:t>
             </a:fld>
             <a:endParaRPr lang="zh-CN" altLang="en-US"/>
           </a:p>
@@ -3363,6 +3363,52 @@
           <a:xfrm>
             <a:off x="5810210" y="3143210"/>
             <a:ext cx="285790" cy="285790"/>
+          </a:xfrm>
+          <a:prstGeom prst="rect">
+            <a:avLst/>
+          </a:prstGeom>
+        </p:spPr>
+      </p:pic>
+      <p:pic>
+        <p:nvPicPr>
+          <p:cNvPr id="3" name="图片 2">
+            <a:extLst>
+              <a:ext uri="{FF2B5EF4-FFF2-40B4-BE49-F238E27FC236}">
+                <a16:creationId xmlns:a16="http://schemas.microsoft.com/office/drawing/2014/main" id="{F95D44CC-6989-0A44-5AC7-4A9618197B4D}"/>
+              </a:ext>
+            </a:extLst>
+          </p:cNvPr>
+          <p:cNvPicPr>
+            <a:picLocks noChangeAspect="1"/>
+          </p:cNvPicPr>
+          <p:nvPr/>
+        </p:nvPicPr>
+        <p:blipFill>
+          <a:blip r:embed="rId3">
+            <a:alphaModFix amt="70000"/>
+            <a:extLst>
+              <a:ext uri="{BEBA8EAE-BF5A-486C-A8C5-ECC9F3942E4B}">
+                <a14:imgProps xmlns:a14="http://schemas.microsoft.com/office/drawing/2010/main">
+                  <a14:imgLayer r:embed="rId4">
+                    <a14:imgEffect>
+                      <a14:saturation sat="0"/>
+                    </a14:imgEffect>
+                  </a14:imgLayer>
+                </a14:imgProps>
+              </a:ext>
+              <a:ext uri="{28A0092B-C50C-407E-A947-70E740481C1C}">
+                <a14:useLocalDpi xmlns:a14="http://schemas.microsoft.com/office/drawing/2010/main" val="0"/>
+              </a:ext>
+            </a:extLst>
+          </a:blip>
+          <a:stretch>
+            <a:fillRect/>
+          </a:stretch>
+        </p:blipFill>
+        <p:spPr>
+          <a:xfrm>
+            <a:off x="6644212" y="3577030"/>
+            <a:ext cx="161925" cy="190500"/>
           </a:xfrm>
           <a:prstGeom prst="rect">
             <a:avLst/>
